--- a/Use Case Documents/Use Case Documents.pptx
+++ b/Use Case Documents/Use Case Documents.pptx
@@ -109,6 +109,11 @@
       </a:defRPr>
     </a:lvl9pPr>
   </p:defaultTextStyle>
+  <p:extLst>
+    <p:ext uri="{EFAFB233-063F-42B5-8137-9DF3F51BA10A}">
+      <p15:sldGuideLst xmlns:p15="http://schemas.microsoft.com/office/powerpoint/2012/main"/>
+    </p:ext>
+  </p:extLst>
 </p:presentation>
 </file>
 
@@ -193,7 +198,7 @@
           </a:lstStyle>
           <a:p>
             <a:r>
-              <a:rPr lang="en-US" smtClean="0"/>
+              <a:rPr lang="en-US"/>
               <a:t>Click to edit Master title style</a:t>
             </a:r>
             <a:endParaRPr lang="en-US" dirty="0"/>
@@ -312,7 +317,7 @@
           </a:lstStyle>
           <a:p>
             <a:r>
-              <a:rPr lang="en-US" smtClean="0"/>
+              <a:rPr lang="en-US"/>
               <a:t>Click to edit Master subtitle style</a:t>
             </a:r>
             <a:endParaRPr lang="en-US" dirty="0"/>
@@ -342,7 +347,7 @@
             <a:fld id="{B61BEF0D-F0BB-DE4B-95CE-6DB70DBA9567}" type="datetimeFigureOut">
               <a:rPr lang="en-US" dirty="0"/>
               <a:pPr/>
-              <a:t>3/15/2018</a:t>
+              <a:t>11/6/2019</a:t>
             </a:fld>
             <a:endParaRPr lang="en-US" dirty="0"/>
           </a:p>
@@ -483,7 +488,7 @@
           </a:lstStyle>
           <a:p>
             <a:r>
-              <a:rPr lang="en-US" smtClean="0"/>
+              <a:rPr lang="en-US"/>
               <a:t>Click to edit Master title style</a:t>
             </a:r>
             <a:endParaRPr lang="en-US" dirty="0"/>
@@ -581,7 +586,7 @@
           </a:lstStyle>
           <a:p>
             <a:r>
-              <a:rPr lang="en-US" smtClean="0"/>
+              <a:rPr lang="en-US"/>
               <a:t>Click icon to add picture</a:t>
             </a:r>
             <a:endParaRPr lang="en-US" dirty="0"/>
@@ -649,7 +654,7 @@
           <a:p>
             <a:pPr lvl="0"/>
             <a:r>
-              <a:rPr lang="en-US" smtClean="0"/>
+              <a:rPr lang="en-US"/>
               <a:t>Click to edit Master text styles</a:t>
             </a:r>
           </a:p>
@@ -673,7 +678,7 @@
             <a:fld id="{B61BEF0D-F0BB-DE4B-95CE-6DB70DBA9567}" type="datetimeFigureOut">
               <a:rPr lang="en-US" dirty="0"/>
               <a:pPr/>
-              <a:t>3/15/2018</a:t>
+              <a:t>11/6/2019</a:t>
             </a:fld>
             <a:endParaRPr lang="en-US" dirty="0"/>
           </a:p>
@@ -804,7 +809,7 @@
           </a:lstStyle>
           <a:p>
             <a:r>
-              <a:rPr lang="en-US" smtClean="0"/>
+              <a:rPr lang="en-US"/>
               <a:t>Click to edit Master title style</a:t>
             </a:r>
             <a:endParaRPr lang="en-US" dirty="0"/>
@@ -924,7 +929,7 @@
           <a:p>
             <a:pPr lvl="0"/>
             <a:r>
-              <a:rPr lang="en-US" smtClean="0"/>
+              <a:rPr lang="en-US"/>
               <a:t>Click to edit Master text styles</a:t>
             </a:r>
           </a:p>
@@ -948,7 +953,7 @@
             <a:fld id="{B61BEF0D-F0BB-DE4B-95CE-6DB70DBA9567}" type="datetimeFigureOut">
               <a:rPr lang="en-US" dirty="0"/>
               <a:pPr/>
-              <a:t>3/15/2018</a:t>
+              <a:t>11/6/2019</a:t>
             </a:fld>
             <a:endParaRPr lang="en-US" dirty="0"/>
           </a:p>
@@ -1315,7 +1320,7 @@
           </a:lstStyle>
           <a:p>
             <a:r>
-              <a:rPr lang="en-US" smtClean="0"/>
+              <a:rPr lang="en-US"/>
               <a:t>Click to edit Master title style</a:t>
             </a:r>
             <a:endParaRPr lang="en-US" dirty="0"/>
@@ -1370,7 +1375,7 @@
           <a:p>
             <a:pPr lvl="0"/>
             <a:r>
-              <a:rPr lang="en-US" smtClean="0"/>
+              <a:rPr lang="en-US"/>
               <a:t>Click to edit Master text styles</a:t>
             </a:r>
           </a:p>
@@ -1489,7 +1494,7 @@
           <a:p>
             <a:pPr lvl="0"/>
             <a:r>
-              <a:rPr lang="en-US" smtClean="0"/>
+              <a:rPr lang="en-US"/>
               <a:t>Click to edit Master text styles</a:t>
             </a:r>
           </a:p>
@@ -1513,7 +1518,7 @@
             <a:fld id="{B61BEF0D-F0BB-DE4B-95CE-6DB70DBA9567}" type="datetimeFigureOut">
               <a:rPr lang="en-US" dirty="0"/>
               <a:pPr/>
-              <a:t>3/15/2018</a:t>
+              <a:t>11/6/2019</a:t>
             </a:fld>
             <a:endParaRPr lang="en-US" dirty="0"/>
           </a:p>
@@ -1644,7 +1649,7 @@
           </a:lstStyle>
           <a:p>
             <a:r>
-              <a:rPr lang="en-US" smtClean="0"/>
+              <a:rPr lang="en-US"/>
               <a:t>Click to edit Master title style</a:t>
             </a:r>
             <a:endParaRPr lang="en-US" dirty="0"/>
@@ -1764,7 +1769,7 @@
           <a:p>
             <a:pPr lvl="0"/>
             <a:r>
-              <a:rPr lang="en-US" smtClean="0"/>
+              <a:rPr lang="en-US"/>
               <a:t>Click to edit Master text styles</a:t>
             </a:r>
           </a:p>
@@ -1788,7 +1793,7 @@
             <a:fld id="{B61BEF0D-F0BB-DE4B-95CE-6DB70DBA9567}" type="datetimeFigureOut">
               <a:rPr lang="en-US" dirty="0"/>
               <a:pPr/>
-              <a:t>3/15/2018</a:t>
+              <a:t>11/6/2019</a:t>
             </a:fld>
             <a:endParaRPr lang="en-US" dirty="0"/>
           </a:p>
@@ -2155,7 +2160,7 @@
           </a:lstStyle>
           <a:p>
             <a:r>
-              <a:rPr lang="en-US" smtClean="0"/>
+              <a:rPr lang="en-US"/>
               <a:t>Click to edit Master title style</a:t>
             </a:r>
             <a:endParaRPr lang="en-US" dirty="0"/>
@@ -2204,7 +2209,7 @@
               <a:buNone/>
             </a:pPr>
             <a:r>
-              <a:rPr lang="en-US" smtClean="0"/>
+              <a:rPr lang="en-US"/>
               <a:t>Click to edit Master text styles</a:t>
             </a:r>
           </a:p>
@@ -2323,7 +2328,7 @@
           <a:p>
             <a:pPr lvl="0"/>
             <a:r>
-              <a:rPr lang="en-US" smtClean="0"/>
+              <a:rPr lang="en-US"/>
               <a:t>Click to edit Master text styles</a:t>
             </a:r>
           </a:p>
@@ -2347,7 +2352,7 @@
             <a:fld id="{B61BEF0D-F0BB-DE4B-95CE-6DB70DBA9567}" type="datetimeFigureOut">
               <a:rPr lang="en-US" dirty="0"/>
               <a:pPr/>
-              <a:t>3/15/2018</a:t>
+              <a:t>11/6/2019</a:t>
             </a:fld>
             <a:endParaRPr lang="en-US" dirty="0"/>
           </a:p>
@@ -2479,7 +2484,7 @@
           <a:p>
             <a:pPr marL="0" lvl="0"/>
             <a:r>
-              <a:rPr lang="en-US" smtClean="0"/>
+              <a:rPr lang="en-US"/>
               <a:t>Click to edit Master title style</a:t>
             </a:r>
             <a:endParaRPr lang="en-US" dirty="0"/>
@@ -2528,7 +2533,7 @@
               <a:buNone/>
             </a:pPr>
             <a:r>
-              <a:rPr lang="en-US" smtClean="0"/>
+              <a:rPr lang="en-US"/>
               <a:t>Click to edit Master text styles</a:t>
             </a:r>
           </a:p>
@@ -2647,7 +2652,7 @@
           <a:p>
             <a:pPr lvl="0"/>
             <a:r>
-              <a:rPr lang="en-US" smtClean="0"/>
+              <a:rPr lang="en-US"/>
               <a:t>Click to edit Master text styles</a:t>
             </a:r>
           </a:p>
@@ -2671,7 +2676,7 @@
             <a:fld id="{B61BEF0D-F0BB-DE4B-95CE-6DB70DBA9567}" type="datetimeFigureOut">
               <a:rPr lang="en-US" dirty="0"/>
               <a:pPr/>
-              <a:t>3/15/2018</a:t>
+              <a:t>11/6/2019</a:t>
             </a:fld>
             <a:endParaRPr lang="en-US" dirty="0"/>
           </a:p>
@@ -2796,7 +2801,7 @@
           <a:lstStyle/>
           <a:p>
             <a:r>
-              <a:rPr lang="en-US" smtClean="0"/>
+              <a:rPr lang="en-US"/>
               <a:t>Click to edit Master title style</a:t>
             </a:r>
             <a:endParaRPr lang="en-US" dirty="0"/>
@@ -2820,35 +2825,35 @@
           <a:p>
             <a:pPr lvl="0"/>
             <a:r>
-              <a:rPr lang="en-US" smtClean="0"/>
+              <a:rPr lang="en-US"/>
               <a:t>Click to edit Master text styles</a:t>
             </a:r>
           </a:p>
           <a:p>
             <a:pPr lvl="1"/>
             <a:r>
-              <a:rPr lang="en-US" smtClean="0"/>
+              <a:rPr lang="en-US"/>
               <a:t>Second level</a:t>
             </a:r>
           </a:p>
           <a:p>
             <a:pPr lvl="2"/>
             <a:r>
-              <a:rPr lang="en-US" smtClean="0"/>
+              <a:rPr lang="en-US"/>
               <a:t>Third level</a:t>
             </a:r>
           </a:p>
           <a:p>
             <a:pPr lvl="3"/>
             <a:r>
-              <a:rPr lang="en-US" smtClean="0"/>
+              <a:rPr lang="en-US"/>
               <a:t>Fourth level</a:t>
             </a:r>
           </a:p>
           <a:p>
             <a:pPr lvl="4"/>
             <a:r>
-              <a:rPr lang="en-US" smtClean="0"/>
+              <a:rPr lang="en-US"/>
               <a:t>Fifth level</a:t>
             </a:r>
             <a:endParaRPr lang="en-US" dirty="0"/>
@@ -2873,7 +2878,7 @@
             <a:fld id="{B61BEF0D-F0BB-DE4B-95CE-6DB70DBA9567}" type="datetimeFigureOut">
               <a:rPr lang="en-US" dirty="0"/>
               <a:pPr/>
-              <a:t>3/15/2018</a:t>
+              <a:t>11/6/2019</a:t>
             </a:fld>
             <a:endParaRPr lang="en-US" dirty="0"/>
           </a:p>
@@ -2998,7 +3003,7 @@
           <a:lstStyle/>
           <a:p>
             <a:r>
-              <a:rPr lang="en-US" smtClean="0"/>
+              <a:rPr lang="en-US"/>
               <a:t>Click to edit Master title style</a:t>
             </a:r>
             <a:endParaRPr lang="en-US" dirty="0"/>
@@ -3027,35 +3032,35 @@
           <a:p>
             <a:pPr lvl="0"/>
             <a:r>
-              <a:rPr lang="en-US" smtClean="0"/>
+              <a:rPr lang="en-US"/>
               <a:t>Click to edit Master text styles</a:t>
             </a:r>
           </a:p>
           <a:p>
             <a:pPr lvl="1"/>
             <a:r>
-              <a:rPr lang="en-US" smtClean="0"/>
+              <a:rPr lang="en-US"/>
               <a:t>Second level</a:t>
             </a:r>
           </a:p>
           <a:p>
             <a:pPr lvl="2"/>
             <a:r>
-              <a:rPr lang="en-US" smtClean="0"/>
+              <a:rPr lang="en-US"/>
               <a:t>Third level</a:t>
             </a:r>
           </a:p>
           <a:p>
             <a:pPr lvl="3"/>
             <a:r>
-              <a:rPr lang="en-US" smtClean="0"/>
+              <a:rPr lang="en-US"/>
               <a:t>Fourth level</a:t>
             </a:r>
           </a:p>
           <a:p>
             <a:pPr lvl="4"/>
             <a:r>
-              <a:rPr lang="en-US" smtClean="0"/>
+              <a:rPr lang="en-US"/>
               <a:t>Fifth level</a:t>
             </a:r>
             <a:endParaRPr lang="en-US" dirty="0"/>
@@ -3080,7 +3085,7 @@
             <a:fld id="{B61BEF0D-F0BB-DE4B-95CE-6DB70DBA9567}" type="datetimeFigureOut">
               <a:rPr lang="en-US" dirty="0"/>
               <a:pPr/>
-              <a:t>3/15/2018</a:t>
+              <a:t>11/6/2019</a:t>
             </a:fld>
             <a:endParaRPr lang="en-US" dirty="0"/>
           </a:p>
@@ -3200,7 +3205,7 @@
           <a:lstStyle/>
           <a:p>
             <a:r>
-              <a:rPr lang="en-US" smtClean="0"/>
+              <a:rPr lang="en-US"/>
               <a:t>Click to edit Master title style</a:t>
             </a:r>
             <a:endParaRPr lang="en-US" dirty="0"/>
@@ -3224,35 +3229,35 @@
           <a:p>
             <a:pPr lvl="0"/>
             <a:r>
-              <a:rPr lang="en-US" smtClean="0"/>
+              <a:rPr lang="en-US"/>
               <a:t>Click to edit Master text styles</a:t>
             </a:r>
           </a:p>
           <a:p>
             <a:pPr lvl="1"/>
             <a:r>
-              <a:rPr lang="en-US" smtClean="0"/>
+              <a:rPr lang="en-US"/>
               <a:t>Second level</a:t>
             </a:r>
           </a:p>
           <a:p>
             <a:pPr lvl="2"/>
             <a:r>
-              <a:rPr lang="en-US" smtClean="0"/>
+              <a:rPr lang="en-US"/>
               <a:t>Third level</a:t>
             </a:r>
           </a:p>
           <a:p>
             <a:pPr lvl="3"/>
             <a:r>
-              <a:rPr lang="en-US" smtClean="0"/>
+              <a:rPr lang="en-US"/>
               <a:t>Fourth level</a:t>
             </a:r>
           </a:p>
           <a:p>
             <a:pPr lvl="4"/>
             <a:r>
-              <a:rPr lang="en-US" smtClean="0"/>
+              <a:rPr lang="en-US"/>
               <a:t>Fifth level</a:t>
             </a:r>
             <a:endParaRPr lang="en-US" dirty="0"/>
@@ -3277,7 +3282,7 @@
             <a:fld id="{B61BEF0D-F0BB-DE4B-95CE-6DB70DBA9567}" type="datetimeFigureOut">
               <a:rPr lang="en-US" dirty="0"/>
               <a:pPr/>
-              <a:t>3/15/2018</a:t>
+              <a:t>11/6/2019</a:t>
             </a:fld>
             <a:endParaRPr lang="en-US" dirty="0"/>
           </a:p>
@@ -3406,7 +3411,7 @@
           </a:lstStyle>
           <a:p>
             <a:r>
-              <a:rPr lang="en-US" smtClean="0"/>
+              <a:rPr lang="en-US"/>
               <a:t>Click to edit Master title style</a:t>
             </a:r>
             <a:endParaRPr lang="en-US" dirty="0"/>
@@ -3526,7 +3531,7 @@
           <a:p>
             <a:pPr lvl="0"/>
             <a:r>
-              <a:rPr lang="en-US" smtClean="0"/>
+              <a:rPr lang="en-US"/>
               <a:t>Click to edit Master text styles</a:t>
             </a:r>
           </a:p>
@@ -3550,7 +3555,7 @@
             <a:fld id="{B61BEF0D-F0BB-DE4B-95CE-6DB70DBA9567}" type="datetimeFigureOut">
               <a:rPr lang="en-US" dirty="0"/>
               <a:pPr/>
-              <a:t>3/15/2018</a:t>
+              <a:t>11/6/2019</a:t>
             </a:fld>
             <a:endParaRPr lang="en-US" dirty="0"/>
           </a:p>
@@ -3670,7 +3675,7 @@
           <a:lstStyle/>
           <a:p>
             <a:r>
-              <a:rPr lang="en-US" smtClean="0"/>
+              <a:rPr lang="en-US"/>
               <a:t>Click to edit Master title style</a:t>
             </a:r>
             <a:endParaRPr lang="en-US" dirty="0"/>
@@ -3701,35 +3706,35 @@
           <a:p>
             <a:pPr lvl="0"/>
             <a:r>
-              <a:rPr lang="en-US" smtClean="0"/>
+              <a:rPr lang="en-US"/>
               <a:t>Click to edit Master text styles</a:t>
             </a:r>
           </a:p>
           <a:p>
             <a:pPr lvl="1"/>
             <a:r>
-              <a:rPr lang="en-US" smtClean="0"/>
+              <a:rPr lang="en-US"/>
               <a:t>Second level</a:t>
             </a:r>
           </a:p>
           <a:p>
             <a:pPr lvl="2"/>
             <a:r>
-              <a:rPr lang="en-US" smtClean="0"/>
+              <a:rPr lang="en-US"/>
               <a:t>Third level</a:t>
             </a:r>
           </a:p>
           <a:p>
             <a:pPr lvl="3"/>
             <a:r>
-              <a:rPr lang="en-US" smtClean="0"/>
+              <a:rPr lang="en-US"/>
               <a:t>Fourth level</a:t>
             </a:r>
           </a:p>
           <a:p>
             <a:pPr lvl="4"/>
             <a:r>
-              <a:rPr lang="en-US" smtClean="0"/>
+              <a:rPr lang="en-US"/>
               <a:t>Fifth level</a:t>
             </a:r>
             <a:endParaRPr lang="en-US" dirty="0"/>
@@ -3760,35 +3765,35 @@
           <a:p>
             <a:pPr lvl="0"/>
             <a:r>
-              <a:rPr lang="en-US" smtClean="0"/>
+              <a:rPr lang="en-US"/>
               <a:t>Click to edit Master text styles</a:t>
             </a:r>
           </a:p>
           <a:p>
             <a:pPr lvl="1"/>
             <a:r>
-              <a:rPr lang="en-US" smtClean="0"/>
+              <a:rPr lang="en-US"/>
               <a:t>Second level</a:t>
             </a:r>
           </a:p>
           <a:p>
             <a:pPr lvl="2"/>
             <a:r>
-              <a:rPr lang="en-US" smtClean="0"/>
+              <a:rPr lang="en-US"/>
               <a:t>Third level</a:t>
             </a:r>
           </a:p>
           <a:p>
             <a:pPr lvl="3"/>
             <a:r>
-              <a:rPr lang="en-US" smtClean="0"/>
+              <a:rPr lang="en-US"/>
               <a:t>Fourth level</a:t>
             </a:r>
           </a:p>
           <a:p>
             <a:pPr lvl="4"/>
             <a:r>
-              <a:rPr lang="en-US" smtClean="0"/>
+              <a:rPr lang="en-US"/>
               <a:t>Fifth level</a:t>
             </a:r>
             <a:endParaRPr lang="en-US" dirty="0"/>
@@ -3813,7 +3818,7 @@
             <a:fld id="{B61BEF0D-F0BB-DE4B-95CE-6DB70DBA9567}" type="datetimeFigureOut">
               <a:rPr lang="en-US" dirty="0"/>
               <a:pPr/>
-              <a:t>3/15/2018</a:t>
+              <a:t>11/6/2019</a:t>
             </a:fld>
             <a:endParaRPr lang="en-US" dirty="0"/>
           </a:p>
@@ -3907,7 +3912,7 @@
           </a:lstStyle>
           <a:p>
             <a:r>
-              <a:rPr lang="en-US" smtClean="0"/>
+              <a:rPr lang="en-US"/>
               <a:t>Click to edit Master title style</a:t>
             </a:r>
             <a:endParaRPr lang="en-US" dirty="0"/>
@@ -3975,7 +3980,7 @@
           <a:p>
             <a:pPr lvl="0"/>
             <a:r>
-              <a:rPr lang="en-US" smtClean="0"/>
+              <a:rPr lang="en-US"/>
               <a:t>Click to edit Master text styles</a:t>
             </a:r>
           </a:p>
@@ -4005,35 +4010,35 @@
           <a:p>
             <a:pPr lvl="0"/>
             <a:r>
-              <a:rPr lang="en-US" smtClean="0"/>
+              <a:rPr lang="en-US"/>
               <a:t>Click to edit Master text styles</a:t>
             </a:r>
           </a:p>
           <a:p>
             <a:pPr lvl="1"/>
             <a:r>
-              <a:rPr lang="en-US" smtClean="0"/>
+              <a:rPr lang="en-US"/>
               <a:t>Second level</a:t>
             </a:r>
           </a:p>
           <a:p>
             <a:pPr lvl="2"/>
             <a:r>
-              <a:rPr lang="en-US" smtClean="0"/>
+              <a:rPr lang="en-US"/>
               <a:t>Third level</a:t>
             </a:r>
           </a:p>
           <a:p>
             <a:pPr lvl="3"/>
             <a:r>
-              <a:rPr lang="en-US" smtClean="0"/>
+              <a:rPr lang="en-US"/>
               <a:t>Fourth level</a:t>
             </a:r>
           </a:p>
           <a:p>
             <a:pPr lvl="4"/>
             <a:r>
-              <a:rPr lang="en-US" smtClean="0"/>
+              <a:rPr lang="en-US"/>
               <a:t>Fifth level</a:t>
             </a:r>
             <a:endParaRPr lang="en-US" dirty="0"/>
@@ -4101,7 +4106,7 @@
           <a:p>
             <a:pPr lvl="0"/>
             <a:r>
-              <a:rPr lang="en-US" smtClean="0"/>
+              <a:rPr lang="en-US"/>
               <a:t>Click to edit Master text styles</a:t>
             </a:r>
           </a:p>
@@ -4131,35 +4136,35 @@
           <a:p>
             <a:pPr lvl="0"/>
             <a:r>
-              <a:rPr lang="en-US" smtClean="0"/>
+              <a:rPr lang="en-US"/>
               <a:t>Click to edit Master text styles</a:t>
             </a:r>
           </a:p>
           <a:p>
             <a:pPr lvl="1"/>
             <a:r>
-              <a:rPr lang="en-US" smtClean="0"/>
+              <a:rPr lang="en-US"/>
               <a:t>Second level</a:t>
             </a:r>
           </a:p>
           <a:p>
             <a:pPr lvl="2"/>
             <a:r>
-              <a:rPr lang="en-US" smtClean="0"/>
+              <a:rPr lang="en-US"/>
               <a:t>Third level</a:t>
             </a:r>
           </a:p>
           <a:p>
             <a:pPr lvl="3"/>
             <a:r>
-              <a:rPr lang="en-US" smtClean="0"/>
+              <a:rPr lang="en-US"/>
               <a:t>Fourth level</a:t>
             </a:r>
           </a:p>
           <a:p>
             <a:pPr lvl="4"/>
             <a:r>
-              <a:rPr lang="en-US" smtClean="0"/>
+              <a:rPr lang="en-US"/>
               <a:t>Fifth level</a:t>
             </a:r>
             <a:endParaRPr lang="en-US" dirty="0"/>
@@ -4184,7 +4189,7 @@
             <a:fld id="{B61BEF0D-F0BB-DE4B-95CE-6DB70DBA9567}" type="datetimeFigureOut">
               <a:rPr lang="en-US" dirty="0"/>
               <a:pPr/>
-              <a:t>3/15/2018</a:t>
+              <a:t>11/6/2019</a:t>
             </a:fld>
             <a:endParaRPr lang="en-US" dirty="0"/>
           </a:p>
@@ -4304,7 +4309,7 @@
           <a:lstStyle/>
           <a:p>
             <a:r>
-              <a:rPr lang="en-US" smtClean="0"/>
+              <a:rPr lang="en-US"/>
               <a:t>Click to edit Master title style</a:t>
             </a:r>
             <a:endParaRPr lang="en-US" dirty="0"/>
@@ -4329,7 +4334,7 @@
             <a:fld id="{B61BEF0D-F0BB-DE4B-95CE-6DB70DBA9567}" type="datetimeFigureOut">
               <a:rPr lang="en-US" dirty="0"/>
               <a:pPr/>
-              <a:t>3/15/2018</a:t>
+              <a:t>11/6/2019</a:t>
             </a:fld>
             <a:endParaRPr lang="en-US" dirty="0"/>
           </a:p>
@@ -4451,7 +4456,7 @@
             <a:fld id="{B61BEF0D-F0BB-DE4B-95CE-6DB70DBA9567}" type="datetimeFigureOut">
               <a:rPr lang="en-US" dirty="0"/>
               <a:pPr/>
-              <a:t>3/15/2018</a:t>
+              <a:t>11/6/2019</a:t>
             </a:fld>
             <a:endParaRPr lang="en-US" dirty="0"/>
           </a:p>
@@ -4582,7 +4587,7 @@
           </a:lstStyle>
           <a:p>
             <a:r>
-              <a:rPr lang="en-US" smtClean="0"/>
+              <a:rPr lang="en-US"/>
               <a:t>Click to edit Master title style</a:t>
             </a:r>
             <a:endParaRPr lang="en-US" dirty="0"/>
@@ -4613,35 +4618,35 @@
           <a:p>
             <a:pPr lvl="0"/>
             <a:r>
-              <a:rPr lang="en-US" smtClean="0"/>
+              <a:rPr lang="en-US"/>
               <a:t>Click to edit Master text styles</a:t>
             </a:r>
           </a:p>
           <a:p>
             <a:pPr lvl="1"/>
             <a:r>
-              <a:rPr lang="en-US" smtClean="0"/>
+              <a:rPr lang="en-US"/>
               <a:t>Second level</a:t>
             </a:r>
           </a:p>
           <a:p>
             <a:pPr lvl="2"/>
             <a:r>
-              <a:rPr lang="en-US" smtClean="0"/>
+              <a:rPr lang="en-US"/>
               <a:t>Third level</a:t>
             </a:r>
           </a:p>
           <a:p>
             <a:pPr lvl="3"/>
             <a:r>
-              <a:rPr lang="en-US" smtClean="0"/>
+              <a:rPr lang="en-US"/>
               <a:t>Fourth level</a:t>
             </a:r>
           </a:p>
           <a:p>
             <a:pPr lvl="4"/>
             <a:r>
-              <a:rPr lang="en-US" smtClean="0"/>
+              <a:rPr lang="en-US"/>
               <a:t>Fifth level</a:t>
             </a:r>
             <a:endParaRPr lang="en-US" dirty="0"/>
@@ -4709,7 +4714,7 @@
           <a:p>
             <a:pPr lvl="0"/>
             <a:r>
-              <a:rPr lang="en-US" smtClean="0"/>
+              <a:rPr lang="en-US"/>
               <a:t>Click to edit Master text styles</a:t>
             </a:r>
           </a:p>
@@ -4733,7 +4738,7 @@
             <a:fld id="{B61BEF0D-F0BB-DE4B-95CE-6DB70DBA9567}" type="datetimeFigureOut">
               <a:rPr lang="en-US" dirty="0"/>
               <a:pPr/>
-              <a:t>3/15/2018</a:t>
+              <a:t>11/6/2019</a:t>
             </a:fld>
             <a:endParaRPr lang="en-US" dirty="0"/>
           </a:p>
@@ -4864,7 +4869,7 @@
           </a:lstStyle>
           <a:p>
             <a:r>
-              <a:rPr lang="en-US" smtClean="0"/>
+              <a:rPr lang="en-US"/>
               <a:t>Click to edit Master title style</a:t>
             </a:r>
             <a:endParaRPr lang="en-US" dirty="0"/>
@@ -4962,7 +4967,7 @@
           </a:lstStyle>
           <a:p>
             <a:r>
-              <a:rPr lang="en-US" smtClean="0"/>
+              <a:rPr lang="en-US"/>
               <a:t>Click icon to add picture</a:t>
             </a:r>
             <a:endParaRPr lang="en-US" dirty="0"/>
@@ -5030,7 +5035,7 @@
           <a:p>
             <a:pPr lvl="0"/>
             <a:r>
-              <a:rPr lang="en-US" smtClean="0"/>
+              <a:rPr lang="en-US"/>
               <a:t>Click to edit Master text styles</a:t>
             </a:r>
           </a:p>
@@ -5054,7 +5059,7 @@
             <a:fld id="{B61BEF0D-F0BB-DE4B-95CE-6DB70DBA9567}" type="datetimeFigureOut">
               <a:rPr lang="en-US" dirty="0"/>
               <a:pPr/>
-              <a:t>3/15/2018</a:t>
+              <a:t>11/6/2019</a:t>
             </a:fld>
             <a:endParaRPr lang="en-US" dirty="0"/>
           </a:p>
@@ -5160,7 +5165,7 @@
           <a:lstStyle/>
           <a:p>
             <a:r>
-              <a:rPr lang="en-US" smtClean="0"/>
+              <a:rPr lang="en-US"/>
               <a:t>Click to edit Master title style</a:t>
             </a:r>
             <a:endParaRPr lang="en-US" dirty="0"/>
@@ -5194,35 +5199,35 @@
           <a:p>
             <a:pPr lvl="0"/>
             <a:r>
-              <a:rPr lang="en-US" smtClean="0"/>
+              <a:rPr lang="en-US"/>
               <a:t>Click to edit Master text styles</a:t>
             </a:r>
           </a:p>
           <a:p>
             <a:pPr lvl="1"/>
             <a:r>
-              <a:rPr lang="en-US" smtClean="0"/>
+              <a:rPr lang="en-US"/>
               <a:t>Second level</a:t>
             </a:r>
           </a:p>
           <a:p>
             <a:pPr lvl="2"/>
             <a:r>
-              <a:rPr lang="en-US" smtClean="0"/>
+              <a:rPr lang="en-US"/>
               <a:t>Third level</a:t>
             </a:r>
           </a:p>
           <a:p>
             <a:pPr lvl="3"/>
             <a:r>
-              <a:rPr lang="en-US" smtClean="0"/>
+              <a:rPr lang="en-US"/>
               <a:t>Fourth level</a:t>
             </a:r>
           </a:p>
           <a:p>
             <a:pPr lvl="4"/>
             <a:r>
-              <a:rPr lang="en-US" smtClean="0"/>
+              <a:rPr lang="en-US"/>
               <a:t>Fifth level</a:t>
             </a:r>
             <a:endParaRPr lang="en-US" dirty="0"/>
@@ -5265,7 +5270,7 @@
             <a:fld id="{B61BEF0D-F0BB-DE4B-95CE-6DB70DBA9567}" type="datetimeFigureOut">
               <a:rPr lang="en-US" dirty="0"/>
               <a:pPr/>
-              <a:t>3/15/2018</a:t>
+              <a:t>11/6/2019</a:t>
             </a:fld>
             <a:endParaRPr lang="en-US" dirty="0"/>
           </a:p>
@@ -5790,29 +5795,9 @@
           <a:lstStyle/>
           <a:p>
             <a:r>
-              <a:rPr lang="en-US" dirty="0" smtClean="0"/>
+              <a:rPr lang="en-US" dirty="0"/>
               <a:t>Use Case Documents</a:t>
             </a:r>
-            <a:endParaRPr lang="en-US" dirty="0"/>
-          </a:p>
-        </p:txBody>
-      </p:sp>
-      <p:sp>
-        <p:nvSpPr>
-          <p:cNvPr id="3" name="Subtitle 2"/>
-          <p:cNvSpPr>
-            <a:spLocks noGrp="1"/>
-          </p:cNvSpPr>
-          <p:nvPr>
-            <p:ph type="subTitle" idx="1"/>
-          </p:nvPr>
-        </p:nvSpPr>
-        <p:spPr/>
-        <p:txBody>
-          <a:bodyPr/>
-          <a:lstStyle/>
-          <a:p>
-            <a:endParaRPr lang="en-US"/>
           </a:p>
         </p:txBody>
       </p:sp>
@@ -5862,10 +5847,9 @@
           <a:lstStyle/>
           <a:p>
             <a:r>
-              <a:rPr lang="en-US" dirty="0" smtClean="0"/>
+              <a:rPr lang="en-US" dirty="0"/>
               <a:t>What are they?	</a:t>
             </a:r>
-            <a:endParaRPr lang="en-US" dirty="0"/>
           </a:p>
         </p:txBody>
       </p:sp>
@@ -5887,16 +5871,15 @@
           <a:lstStyle/>
           <a:p>
             <a:r>
-              <a:rPr lang="en-US" sz="2800" dirty="0" smtClean="0"/>
+              <a:rPr lang="en-US" sz="2800" dirty="0"/>
               <a:t>Written documentation of different scenarios of how a user might interact with their system, including specific goals and others that might be involved in order to make it happen</a:t>
             </a:r>
           </a:p>
           <a:p>
             <a:r>
-              <a:rPr lang="en-US" sz="2800" dirty="0" smtClean="0"/>
+              <a:rPr lang="en-US" sz="2800" dirty="0"/>
               <a:t>Documentation is written with text rather than diagrams, so it is useful for explaining to others with a less technological-oriented background</a:t>
             </a:r>
-            <a:endParaRPr lang="en-US" sz="2800" dirty="0"/>
           </a:p>
         </p:txBody>
       </p:sp>
@@ -5946,10 +5929,9 @@
           <a:lstStyle/>
           <a:p>
             <a:r>
-              <a:rPr lang="en-US" dirty="0" smtClean="0"/>
+              <a:rPr lang="en-US" dirty="0"/>
               <a:t>Things to include	</a:t>
             </a:r>
-            <a:endParaRPr lang="en-US" dirty="0"/>
           </a:p>
         </p:txBody>
       </p:sp>
@@ -5969,49 +5951,49 @@
           <a:lstStyle/>
           <a:p>
             <a:r>
-              <a:rPr lang="en-US" dirty="0" smtClean="0"/>
+              <a:rPr lang="en-US" dirty="0"/>
               <a:t>Name of use case</a:t>
             </a:r>
           </a:p>
           <a:p>
             <a:r>
-              <a:rPr lang="en-US" dirty="0" smtClean="0"/>
+              <a:rPr lang="en-US" dirty="0"/>
               <a:t>Brief description of the use case</a:t>
             </a:r>
           </a:p>
           <a:p>
             <a:r>
-              <a:rPr lang="en-US" dirty="0" smtClean="0"/>
+              <a:rPr lang="en-US" dirty="0"/>
               <a:t>Actors involved in the use case – any people or external systems that take part</a:t>
             </a:r>
           </a:p>
           <a:p>
             <a:r>
-              <a:rPr lang="en-US" dirty="0" smtClean="0"/>
+              <a:rPr lang="en-US" dirty="0"/>
               <a:t>Preconditions – What must be true before the use case can happen?</a:t>
             </a:r>
           </a:p>
           <a:p>
             <a:r>
-              <a:rPr lang="en-US" dirty="0" smtClean="0"/>
+              <a:rPr lang="en-US" dirty="0"/>
               <a:t>Basic flow – the steps taken to accomplish the goal</a:t>
             </a:r>
           </a:p>
           <a:p>
             <a:r>
-              <a:rPr lang="en-US" dirty="0" smtClean="0"/>
+              <a:rPr lang="en-US" dirty="0"/>
               <a:t>Alternate flows – any other ways the same goal can be accomplished</a:t>
             </a:r>
           </a:p>
           <a:p>
             <a:r>
-              <a:rPr lang="en-US" dirty="0" smtClean="0"/>
+              <a:rPr lang="en-US" dirty="0"/>
               <a:t>Exception flows – Things that can happen that cause errors, or prevent the goal from being accomplished</a:t>
             </a:r>
           </a:p>
           <a:p>
             <a:r>
-              <a:rPr lang="en-US" dirty="0" smtClean="0"/>
+              <a:rPr lang="en-US" dirty="0"/>
               <a:t>Post Conditions – What is true when the use case is finished</a:t>
             </a:r>
           </a:p>
@@ -6070,10 +6052,9 @@
           <a:lstStyle/>
           <a:p>
             <a:r>
-              <a:rPr lang="en-US" sz="3200" dirty="0" smtClean="0"/>
+              <a:rPr lang="en-US" sz="3200" dirty="0"/>
               <a:t>You can, of course, include more items should your tests require additional notes, these are just some of the basic items that use case documentation will include</a:t>
             </a:r>
-            <a:endParaRPr lang="en-US" sz="3200" dirty="0"/>
           </a:p>
         </p:txBody>
       </p:sp>
@@ -6124,10 +6105,9 @@
           <a:p>
             <a:pPr algn="ctr"/>
             <a:r>
-              <a:rPr lang="en-US" dirty="0" smtClean="0"/>
+              <a:rPr lang="en-US" dirty="0"/>
               <a:t>Sample use case document templates</a:t>
             </a:r>
-            <a:endParaRPr lang="en-US" dirty="0"/>
           </a:p>
         </p:txBody>
       </p:sp>
